--- a/04_Figures/FigureS1_CONSORT_diagram.pptx
+++ b/04_Figures/FigureS1_CONSORT_diagram.pptx
@@ -5,9 +5,7 @@
     <p:sldMasterId id="2147483648" r:id="rId1"/>
   </p:sldMasterIdLst>
   <p:sldIdLst>
-    <p:sldId id="256" r:id="rId2"/>
-    <p:sldId id="261" r:id="rId3"/>
-    <p:sldId id="260" r:id="rId4"/>
+    <p:sldId id="261" r:id="rId2"/>
   </p:sldIdLst>
   <p:sldSz cx="12192000" cy="6858000"/>
   <p:notesSz cx="6858000" cy="9144000"/>
@@ -261,7 +259,7 @@
           <a:p>
             <a:fld id="{D1C71E53-921C-4F10-B5A5-68711D5A4370}" type="datetimeFigureOut">
               <a:rPr lang="en-US" smtClean="0"/>
-              <a:t>11/14/2021</a:t>
+              <a:t>4/5/2023</a:t>
             </a:fld>
             <a:endParaRPr lang="en-US"/>
           </a:p>
@@ -459,7 +457,7 @@
           <a:p>
             <a:fld id="{D1C71E53-921C-4F10-B5A5-68711D5A4370}" type="datetimeFigureOut">
               <a:rPr lang="en-US" smtClean="0"/>
-              <a:t>11/14/2021</a:t>
+              <a:t>4/5/2023</a:t>
             </a:fld>
             <a:endParaRPr lang="en-US"/>
           </a:p>
@@ -667,7 +665,7 @@
           <a:p>
             <a:fld id="{D1C71E53-921C-4F10-B5A5-68711D5A4370}" type="datetimeFigureOut">
               <a:rPr lang="en-US" smtClean="0"/>
-              <a:t>11/14/2021</a:t>
+              <a:t>4/5/2023</a:t>
             </a:fld>
             <a:endParaRPr lang="en-US"/>
           </a:p>
@@ -865,7 +863,7 @@
           <a:p>
             <a:fld id="{D1C71E53-921C-4F10-B5A5-68711D5A4370}" type="datetimeFigureOut">
               <a:rPr lang="en-US" smtClean="0"/>
-              <a:t>11/14/2021</a:t>
+              <a:t>4/5/2023</a:t>
             </a:fld>
             <a:endParaRPr lang="en-US"/>
           </a:p>
@@ -1140,7 +1138,7 @@
           <a:p>
             <a:fld id="{D1C71E53-921C-4F10-B5A5-68711D5A4370}" type="datetimeFigureOut">
               <a:rPr lang="en-US" smtClean="0"/>
-              <a:t>11/14/2021</a:t>
+              <a:t>4/5/2023</a:t>
             </a:fld>
             <a:endParaRPr lang="en-US"/>
           </a:p>
@@ -1405,7 +1403,7 @@
           <a:p>
             <a:fld id="{D1C71E53-921C-4F10-B5A5-68711D5A4370}" type="datetimeFigureOut">
               <a:rPr lang="en-US" smtClean="0"/>
-              <a:t>11/14/2021</a:t>
+              <a:t>4/5/2023</a:t>
             </a:fld>
             <a:endParaRPr lang="en-US"/>
           </a:p>
@@ -1817,7 +1815,7 @@
           <a:p>
             <a:fld id="{D1C71E53-921C-4F10-B5A5-68711D5A4370}" type="datetimeFigureOut">
               <a:rPr lang="en-US" smtClean="0"/>
-              <a:t>11/14/2021</a:t>
+              <a:t>4/5/2023</a:t>
             </a:fld>
             <a:endParaRPr lang="en-US"/>
           </a:p>
@@ -1958,7 +1956,7 @@
           <a:p>
             <a:fld id="{D1C71E53-921C-4F10-B5A5-68711D5A4370}" type="datetimeFigureOut">
               <a:rPr lang="en-US" smtClean="0"/>
-              <a:t>11/14/2021</a:t>
+              <a:t>4/5/2023</a:t>
             </a:fld>
             <a:endParaRPr lang="en-US"/>
           </a:p>
@@ -2071,7 +2069,7 @@
           <a:p>
             <a:fld id="{D1C71E53-921C-4F10-B5A5-68711D5A4370}" type="datetimeFigureOut">
               <a:rPr lang="en-US" smtClean="0"/>
-              <a:t>11/14/2021</a:t>
+              <a:t>4/5/2023</a:t>
             </a:fld>
             <a:endParaRPr lang="en-US"/>
           </a:p>
@@ -2382,7 +2380,7 @@
           <a:p>
             <a:fld id="{D1C71E53-921C-4F10-B5A5-68711D5A4370}" type="datetimeFigureOut">
               <a:rPr lang="en-US" smtClean="0"/>
-              <a:t>11/14/2021</a:t>
+              <a:t>4/5/2023</a:t>
             </a:fld>
             <a:endParaRPr lang="en-US"/>
           </a:p>
@@ -2670,7 +2668,7 @@
           <a:p>
             <a:fld id="{D1C71E53-921C-4F10-B5A5-68711D5A4370}" type="datetimeFigureOut">
               <a:rPr lang="en-US" smtClean="0"/>
-              <a:t>11/14/2021</a:t>
+              <a:t>4/5/2023</a:t>
             </a:fld>
             <a:endParaRPr lang="en-US"/>
           </a:p>
@@ -2911,7 +2909,7 @@
           <a:p>
             <a:fld id="{D1C71E53-921C-4F10-B5A5-68711D5A4370}" type="datetimeFigureOut">
               <a:rPr lang="en-US" smtClean="0"/>
-              <a:t>11/14/2021</a:t>
+              <a:t>4/5/2023</a:t>
             </a:fld>
             <a:endParaRPr lang="en-US"/>
           </a:p>
@@ -3330,126 +3328,6 @@
       </p:grpSpPr>
       <p:sp>
         <p:nvSpPr>
-          <p:cNvPr id="2" name="Title 1">
-            <a:extLst>
-              <a:ext uri="{FF2B5EF4-FFF2-40B4-BE49-F238E27FC236}">
-                <a16:creationId xmlns:a16="http://schemas.microsoft.com/office/drawing/2014/main" id="{B4CE2585-4079-4BD7-A714-32EE2EFBE89A}"/>
-              </a:ext>
-            </a:extLst>
-          </p:cNvPr>
-          <p:cNvSpPr>
-            <a:spLocks noGrp="1"/>
-          </p:cNvSpPr>
-          <p:nvPr>
-            <p:ph type="ctrTitle"/>
-          </p:nvPr>
-        </p:nvSpPr>
-        <p:spPr/>
-        <p:txBody>
-          <a:bodyPr/>
-          <a:lstStyle/>
-          <a:p>
-            <a:r>
-              <a:rPr lang="en-US" dirty="0"/>
-              <a:t>CONSORTs for GAD &amp; HC</a:t>
-            </a:r>
-          </a:p>
-        </p:txBody>
-      </p:sp>
-      <p:sp>
-        <p:nvSpPr>
-          <p:cNvPr id="3" name="Subtitle 2">
-            <a:extLst>
-              <a:ext uri="{FF2B5EF4-FFF2-40B4-BE49-F238E27FC236}">
-                <a16:creationId xmlns:a16="http://schemas.microsoft.com/office/drawing/2014/main" id="{43EE27C2-3163-4131-A8A7-201AC6AC8AE2}"/>
-              </a:ext>
-            </a:extLst>
-          </p:cNvPr>
-          <p:cNvSpPr>
-            <a:spLocks noGrp="1"/>
-          </p:cNvSpPr>
-          <p:nvPr>
-            <p:ph type="subTitle" idx="1"/>
-          </p:nvPr>
-        </p:nvSpPr>
-        <p:spPr/>
-        <p:txBody>
-          <a:bodyPr>
-            <a:normAutofit lnSpcReduction="10000"/>
-          </a:bodyPr>
-          <a:lstStyle/>
-          <a:p>
-            <a:r>
-              <a:rPr lang="en-US" dirty="0"/>
-              <a:t>Adam Teed</a:t>
-            </a:r>
-          </a:p>
-          <a:p>
-            <a:r>
-              <a:rPr lang="en-US"/>
-              <a:t>8/3/21</a:t>
-            </a:r>
-            <a:endParaRPr lang="en-US" dirty="0"/>
-          </a:p>
-          <a:p>
-            <a:endParaRPr lang="en-US" dirty="0"/>
-          </a:p>
-          <a:p>
-            <a:r>
-              <a:rPr lang="en-US" dirty="0"/>
-              <a:t>1</a:t>
-            </a:r>
-            <a:r>
-              <a:rPr lang="en-US" baseline="30000" dirty="0"/>
-              <a:t>st</a:t>
-            </a:r>
-            <a:r>
-              <a:rPr lang="en-US" dirty="0"/>
-              <a:t> slide is diagram for Jonas, 2</a:t>
-            </a:r>
-            <a:r>
-              <a:rPr lang="en-US" baseline="30000" dirty="0"/>
-              <a:t>nd</a:t>
-            </a:r>
-            <a:r>
-              <a:rPr lang="en-US" dirty="0"/>
-              <a:t> is final JAMA Psych</a:t>
-            </a:r>
-          </a:p>
-        </p:txBody>
-      </p:sp>
-    </p:spTree>
-    <p:extLst>
-      <p:ext uri="{BB962C8B-B14F-4D97-AF65-F5344CB8AC3E}">
-        <p14:creationId xmlns:p14="http://schemas.microsoft.com/office/powerpoint/2010/main" val="1202872948"/>
-      </p:ext>
-    </p:extLst>
-  </p:cSld>
-  <p:clrMapOvr>
-    <a:masterClrMapping/>
-  </p:clrMapOvr>
-</p:sld>
-</file>
-
-<file path=ppt/slides/slide2.xml><?xml version="1.0" encoding="utf-8"?>
-<p:sld xmlns:a="http://schemas.openxmlformats.org/drawingml/2006/main" xmlns:r="http://schemas.openxmlformats.org/officeDocument/2006/relationships" xmlns:p="http://schemas.openxmlformats.org/presentationml/2006/main">
-  <p:cSld>
-    <p:spTree>
-      <p:nvGrpSpPr>
-        <p:cNvPr id="1" name=""/>
-        <p:cNvGrpSpPr/>
-        <p:nvPr/>
-      </p:nvGrpSpPr>
-      <p:grpSpPr>
-        <a:xfrm>
-          <a:off x="0" y="0"/>
-          <a:ext cx="0" cy="0"/>
-          <a:chOff x="0" y="0"/>
-          <a:chExt cx="0" cy="0"/>
-        </a:xfrm>
-      </p:grpSpPr>
-      <p:sp>
-        <p:nvSpPr>
           <p:cNvPr id="3" name="TextBox 2">
             <a:extLst>
               <a:ext uri="{FF2B5EF4-FFF2-40B4-BE49-F238E27FC236}">
@@ -4530,1104 +4408,6 @@
     <p:extLst>
       <p:ext uri="{BB962C8B-B14F-4D97-AF65-F5344CB8AC3E}">
         <p14:creationId xmlns:p14="http://schemas.microsoft.com/office/powerpoint/2010/main" val="2399050664"/>
-      </p:ext>
-    </p:extLst>
-  </p:cSld>
-  <p:clrMapOvr>
-    <a:masterClrMapping/>
-  </p:clrMapOvr>
-</p:sld>
-</file>
-
-<file path=ppt/slides/slide3.xml><?xml version="1.0" encoding="utf-8"?>
-<p:sld xmlns:a="http://schemas.openxmlformats.org/drawingml/2006/main" xmlns:r="http://schemas.openxmlformats.org/officeDocument/2006/relationships" xmlns:p="http://schemas.openxmlformats.org/presentationml/2006/main">
-  <p:cSld>
-    <p:spTree>
-      <p:nvGrpSpPr>
-        <p:cNvPr id="1" name=""/>
-        <p:cNvGrpSpPr/>
-        <p:nvPr/>
-      </p:nvGrpSpPr>
-      <p:grpSpPr>
-        <a:xfrm>
-          <a:off x="0" y="0"/>
-          <a:ext cx="0" cy="0"/>
-          <a:chOff x="0" y="0"/>
-          <a:chExt cx="0" cy="0"/>
-        </a:xfrm>
-      </p:grpSpPr>
-      <p:sp>
-        <p:nvSpPr>
-          <p:cNvPr id="3" name="TextBox 2">
-            <a:extLst>
-              <a:ext uri="{FF2B5EF4-FFF2-40B4-BE49-F238E27FC236}">
-                <a16:creationId xmlns:a16="http://schemas.microsoft.com/office/drawing/2014/main" id="{E3FA7545-50DC-4D59-AD28-81978E56D008}"/>
-              </a:ext>
-            </a:extLst>
-          </p:cNvPr>
-          <p:cNvSpPr txBox="1"/>
-          <p:nvPr/>
-        </p:nvSpPr>
-        <p:spPr>
-          <a:xfrm>
-            <a:off x="6515096" y="912077"/>
-            <a:ext cx="2866369" cy="430887"/>
-          </a:xfrm>
-          <a:prstGeom prst="rect">
-            <a:avLst/>
-          </a:prstGeom>
-          <a:noFill/>
-          <a:ln>
-            <a:solidFill>
-              <a:schemeClr val="tx1"/>
-            </a:solidFill>
-          </a:ln>
-        </p:spPr>
-        <p:txBody>
-          <a:bodyPr wrap="square" rtlCol="0">
-            <a:spAutoFit/>
-          </a:bodyPr>
-          <a:lstStyle/>
-          <a:p>
-            <a:pPr lvl="0" eaLnBrk="0" fontAlgn="base" hangingPunct="0">
-              <a:spcBef>
-                <a:spcPct val="0"/>
-              </a:spcBef>
-              <a:spcAft>
-                <a:spcPct val="0"/>
-              </a:spcAft>
-            </a:pPr>
-            <a:r>
-              <a:rPr kumimoji="0" lang="en-CA" altLang="en-US" sz="1100" b="0" i="0" u="none" strike="noStrike" cap="none" normalizeH="0" baseline="0" dirty="0">
-                <a:ln>
-                  <a:noFill/>
-                </a:ln>
-                <a:solidFill>
-                  <a:schemeClr val="tx1"/>
-                </a:solidFill>
-                <a:effectLst/>
-                <a:latin typeface="Arial" panose="020B0604020202020204" pitchFamily="34" charset="0"/>
-                <a:cs typeface="Arial" panose="020B0604020202020204" pitchFamily="34" charset="0"/>
-              </a:rPr>
-              <a:t>Excluded  (n=11)</a:t>
-            </a:r>
-          </a:p>
-          <a:p>
-            <a:pPr marL="171450" lvl="0" indent="-171450" eaLnBrk="0" fontAlgn="base" hangingPunct="0">
-              <a:spcBef>
-                <a:spcPct val="0"/>
-              </a:spcBef>
-              <a:spcAft>
-                <a:spcPct val="0"/>
-              </a:spcAft>
-              <a:buFont typeface="Courier New" panose="02070309020205020404" pitchFamily="49" charset="0"/>
-              <a:buChar char="o"/>
-            </a:pPr>
-            <a:r>
-              <a:rPr kumimoji="0" lang="en-CA" altLang="en-US" sz="1100" b="0" i="0" u="none" strike="noStrike" cap="none" normalizeH="0" baseline="0" dirty="0">
-                <a:ln>
-                  <a:noFill/>
-                </a:ln>
-                <a:solidFill>
-                  <a:schemeClr val="tx1"/>
-                </a:solidFill>
-                <a:effectLst/>
-                <a:latin typeface="Arial" panose="020B0604020202020204" pitchFamily="34" charset="0"/>
-                <a:cs typeface="Arial" panose="020B0604020202020204" pitchFamily="34" charset="0"/>
-              </a:rPr>
-              <a:t>Declined to participate (n=11)</a:t>
-            </a:r>
-          </a:p>
-        </p:txBody>
-      </p:sp>
-      <p:sp>
-        <p:nvSpPr>
-          <p:cNvPr id="4" name="TextBox 3">
-            <a:extLst>
-              <a:ext uri="{FF2B5EF4-FFF2-40B4-BE49-F238E27FC236}">
-                <a16:creationId xmlns:a16="http://schemas.microsoft.com/office/drawing/2014/main" id="{0CE06B24-394A-401F-9C9A-7223F057C693}"/>
-              </a:ext>
-            </a:extLst>
-          </p:cNvPr>
-          <p:cNvSpPr txBox="1"/>
-          <p:nvPr/>
-        </p:nvSpPr>
-        <p:spPr>
-          <a:xfrm>
-            <a:off x="6515097" y="1807564"/>
-            <a:ext cx="2867124" cy="1277273"/>
-          </a:xfrm>
-          <a:prstGeom prst="rect">
-            <a:avLst/>
-          </a:prstGeom>
-          <a:noFill/>
-          <a:ln>
-            <a:solidFill>
-              <a:schemeClr val="tx1"/>
-            </a:solidFill>
-          </a:ln>
-        </p:spPr>
-        <p:txBody>
-          <a:bodyPr wrap="square" rtlCol="0">
-            <a:spAutoFit/>
-          </a:bodyPr>
-          <a:lstStyle/>
-          <a:p>
-            <a:r>
-              <a:rPr lang="en-US" sz="1100" dirty="0">
-                <a:latin typeface="Arial" panose="020B0604020202020204" pitchFamily="34" charset="0"/>
-                <a:cs typeface="Arial" panose="020B0604020202020204" pitchFamily="34" charset="0"/>
-              </a:rPr>
-              <a:t>Withdrawn (n=52)</a:t>
-            </a:r>
-          </a:p>
-          <a:p>
-            <a:pPr marL="171450" indent="-171450">
-              <a:buFont typeface="Courier New" panose="02070309020205020404" pitchFamily="49" charset="0"/>
-              <a:buChar char="o"/>
-            </a:pPr>
-            <a:r>
-              <a:rPr lang="en-US" sz="1100" dirty="0">
-                <a:latin typeface="Arial" panose="020B0604020202020204" pitchFamily="34" charset="0"/>
-                <a:cs typeface="Arial" panose="020B0604020202020204" pitchFamily="34" charset="0"/>
-              </a:rPr>
-              <a:t>Scheduling difficulty (n=6)</a:t>
-            </a:r>
-          </a:p>
-          <a:p>
-            <a:pPr marL="171450" indent="-171450">
-              <a:buFont typeface="Courier New" panose="02070309020205020404" pitchFamily="49" charset="0"/>
-              <a:buChar char="o"/>
-            </a:pPr>
-            <a:r>
-              <a:rPr lang="en-US" sz="1100" dirty="0">
-                <a:latin typeface="Arial" panose="020B0604020202020204" pitchFamily="34" charset="0"/>
-                <a:cs typeface="Arial" panose="020B0604020202020204" pitchFamily="34" charset="0"/>
-              </a:rPr>
-              <a:t>Did not complete core protocol (n=4)</a:t>
-            </a:r>
-          </a:p>
-          <a:p>
-            <a:pPr marL="171450" indent="-171450">
-              <a:buFont typeface="Courier New" panose="02070309020205020404" pitchFamily="49" charset="0"/>
-              <a:buChar char="o"/>
-            </a:pPr>
-            <a:r>
-              <a:rPr lang="en-US" sz="1100" dirty="0">
-                <a:latin typeface="Arial" panose="020B0604020202020204" pitchFamily="34" charset="0"/>
-                <a:cs typeface="Arial" panose="020B0604020202020204" pitchFamily="34" charset="0"/>
-              </a:rPr>
-              <a:t>Refused EEG/MRI protocol (n=2)</a:t>
-            </a:r>
-          </a:p>
-          <a:p>
-            <a:pPr marL="171450" indent="-171450">
-              <a:buFont typeface="Courier New" panose="02070309020205020404" pitchFamily="49" charset="0"/>
-              <a:buChar char="o"/>
-            </a:pPr>
-            <a:r>
-              <a:rPr lang="en-US" sz="1100" dirty="0">
-                <a:latin typeface="Arial" panose="020B0604020202020204" pitchFamily="34" charset="0"/>
-                <a:cs typeface="Arial" panose="020B0604020202020204" pitchFamily="34" charset="0"/>
-              </a:rPr>
-              <a:t>Change in diagnostic category (n=1)</a:t>
-            </a:r>
-          </a:p>
-          <a:p>
-            <a:pPr marL="171450" indent="-171450">
-              <a:buFont typeface="Courier New" panose="02070309020205020404" pitchFamily="49" charset="0"/>
-              <a:buChar char="o"/>
-            </a:pPr>
-            <a:r>
-              <a:rPr lang="en-US" sz="1100" dirty="0">
-                <a:latin typeface="Arial" panose="020B0604020202020204" pitchFamily="34" charset="0"/>
-                <a:cs typeface="Arial" panose="020B0604020202020204" pitchFamily="34" charset="0"/>
-              </a:rPr>
-              <a:t>Refused isoproterenol infusion (n=4)</a:t>
-            </a:r>
-          </a:p>
-          <a:p>
-            <a:pPr marL="171450" indent="-171450">
-              <a:buFont typeface="Courier New" panose="02070309020205020404" pitchFamily="49" charset="0"/>
-              <a:buChar char="o"/>
-            </a:pPr>
-            <a:r>
-              <a:rPr lang="en-US" sz="1100" dirty="0">
-                <a:latin typeface="Arial" panose="020B0604020202020204" pitchFamily="34" charset="0"/>
-                <a:cs typeface="Arial" panose="020B0604020202020204" pitchFamily="34" charset="0"/>
-              </a:rPr>
-              <a:t>Medical reasons/medications (n=35)</a:t>
-            </a:r>
-          </a:p>
-        </p:txBody>
-      </p:sp>
-      <p:sp>
-        <p:nvSpPr>
-          <p:cNvPr id="5" name="TextBox 4">
-            <a:extLst>
-              <a:ext uri="{FF2B5EF4-FFF2-40B4-BE49-F238E27FC236}">
-                <a16:creationId xmlns:a16="http://schemas.microsoft.com/office/drawing/2014/main" id="{FA71AF5C-6471-4FED-B007-6A6CA79E25A5}"/>
-              </a:ext>
-            </a:extLst>
-          </p:cNvPr>
-          <p:cNvSpPr txBox="1"/>
-          <p:nvPr/>
-        </p:nvSpPr>
-        <p:spPr>
-          <a:xfrm>
-            <a:off x="4441413" y="2927838"/>
-            <a:ext cx="1701148" cy="307777"/>
-          </a:xfrm>
-          <a:prstGeom prst="rect">
-            <a:avLst/>
-          </a:prstGeom>
-          <a:ln/>
-        </p:spPr>
-        <p:style>
-          <a:lnRef idx="1">
-            <a:schemeClr val="accent1"/>
-          </a:lnRef>
-          <a:fillRef idx="2">
-            <a:schemeClr val="accent1"/>
-          </a:fillRef>
-          <a:effectRef idx="1">
-            <a:schemeClr val="accent1"/>
-          </a:effectRef>
-          <a:fontRef idx="minor">
-            <a:schemeClr val="dk1"/>
-          </a:fontRef>
-        </p:style>
-        <p:txBody>
-          <a:bodyPr wrap="square" rtlCol="0">
-            <a:spAutoFit/>
-          </a:bodyPr>
-          <a:lstStyle/>
-          <a:p>
-            <a:pPr algn="ctr"/>
-            <a:r>
-              <a:rPr lang="en-US" sz="1400" b="1" dirty="0">
-                <a:latin typeface="Arial" panose="020B0604020202020204" pitchFamily="34" charset="0"/>
-                <a:cs typeface="Arial" panose="020B0604020202020204" pitchFamily="34" charset="0"/>
-              </a:rPr>
-              <a:t>Allocated (n=73)</a:t>
-            </a:r>
-          </a:p>
-        </p:txBody>
-      </p:sp>
-      <p:sp>
-        <p:nvSpPr>
-          <p:cNvPr id="6" name="TextBox 5">
-            <a:extLst>
-              <a:ext uri="{FF2B5EF4-FFF2-40B4-BE49-F238E27FC236}">
-                <a16:creationId xmlns:a16="http://schemas.microsoft.com/office/drawing/2014/main" id="{DD1B6B4D-977D-412F-88B9-0855AFC7D305}"/>
-              </a:ext>
-            </a:extLst>
-          </p:cNvPr>
-          <p:cNvSpPr txBox="1"/>
-          <p:nvPr/>
-        </p:nvSpPr>
-        <p:spPr>
-          <a:xfrm>
-            <a:off x="6515099" y="3365946"/>
-            <a:ext cx="2867625" cy="261610"/>
-          </a:xfrm>
-          <a:prstGeom prst="rect">
-            <a:avLst/>
-          </a:prstGeom>
-          <a:noFill/>
-          <a:ln>
-            <a:solidFill>
-              <a:schemeClr val="tx1"/>
-            </a:solidFill>
-          </a:ln>
-        </p:spPr>
-        <p:txBody>
-          <a:bodyPr wrap="square" rtlCol="0">
-            <a:spAutoFit/>
-          </a:bodyPr>
-          <a:lstStyle/>
-          <a:p>
-            <a:pPr marL="171450" indent="-171450">
-              <a:buFont typeface="Courier New" panose="02070309020205020404" pitchFamily="49" charset="0"/>
-              <a:buChar char="o"/>
-            </a:pPr>
-            <a:r>
-              <a:rPr lang="en-US" sz="1100" dirty="0">
-                <a:latin typeface="Arial" panose="020B0604020202020204" pitchFamily="34" charset="0"/>
-                <a:cs typeface="Arial" panose="020B0604020202020204" pitchFamily="34" charset="0"/>
-              </a:rPr>
-              <a:t>Withdrew during infusions (n=1)</a:t>
-            </a:r>
-          </a:p>
-        </p:txBody>
-      </p:sp>
-      <p:sp>
-        <p:nvSpPr>
-          <p:cNvPr id="7" name="TextBox 6">
-            <a:extLst>
-              <a:ext uri="{FF2B5EF4-FFF2-40B4-BE49-F238E27FC236}">
-                <a16:creationId xmlns:a16="http://schemas.microsoft.com/office/drawing/2014/main" id="{671EE105-99A7-43ED-AD40-A51454577814}"/>
-              </a:ext>
-            </a:extLst>
-          </p:cNvPr>
-          <p:cNvSpPr txBox="1"/>
-          <p:nvPr/>
-        </p:nvSpPr>
-        <p:spPr>
-          <a:xfrm>
-            <a:off x="4439386" y="3954686"/>
-            <a:ext cx="1700784" cy="307777"/>
-          </a:xfrm>
-          <a:prstGeom prst="rect">
-            <a:avLst/>
-          </a:prstGeom>
-          <a:ln/>
-        </p:spPr>
-        <p:style>
-          <a:lnRef idx="1">
-            <a:schemeClr val="accent1"/>
-          </a:lnRef>
-          <a:fillRef idx="2">
-            <a:schemeClr val="accent1"/>
-          </a:fillRef>
-          <a:effectRef idx="1">
-            <a:schemeClr val="accent1"/>
-          </a:effectRef>
-          <a:fontRef idx="minor">
-            <a:schemeClr val="dk1"/>
-          </a:fontRef>
-        </p:style>
-        <p:txBody>
-          <a:bodyPr wrap="square" rtlCol="0">
-            <a:noAutofit/>
-          </a:bodyPr>
-          <a:lstStyle/>
-          <a:p>
-            <a:pPr algn="ctr"/>
-            <a:r>
-              <a:rPr lang="en-US" sz="1400" b="1" dirty="0">
-                <a:latin typeface="Arial" panose="020B0604020202020204" pitchFamily="34" charset="0"/>
-                <a:cs typeface="Arial" panose="020B0604020202020204" pitchFamily="34" charset="0"/>
-              </a:rPr>
-              <a:t>Completed (n=72)</a:t>
-            </a:r>
-          </a:p>
-        </p:txBody>
-      </p:sp>
-      <p:sp>
-        <p:nvSpPr>
-          <p:cNvPr id="9" name="TextBox 8">
-            <a:extLst>
-              <a:ext uri="{FF2B5EF4-FFF2-40B4-BE49-F238E27FC236}">
-                <a16:creationId xmlns:a16="http://schemas.microsoft.com/office/drawing/2014/main" id="{20C675EE-57A8-4ADE-937E-8E21FCA487E0}"/>
-              </a:ext>
-            </a:extLst>
-          </p:cNvPr>
-          <p:cNvSpPr txBox="1"/>
-          <p:nvPr/>
-        </p:nvSpPr>
-        <p:spPr>
-          <a:xfrm>
-            <a:off x="4371091" y="5985182"/>
-            <a:ext cx="1846160" cy="430887"/>
-          </a:xfrm>
-          <a:prstGeom prst="rect">
-            <a:avLst/>
-          </a:prstGeom>
-          <a:noFill/>
-          <a:ln>
-            <a:solidFill>
-              <a:schemeClr val="tx1"/>
-            </a:solidFill>
-          </a:ln>
-        </p:spPr>
-        <p:txBody>
-          <a:bodyPr wrap="square" rtlCol="0">
-            <a:spAutoFit/>
-          </a:bodyPr>
-          <a:lstStyle/>
-          <a:p>
-            <a:pPr marL="171450" indent="-171450" algn="ctr">
-              <a:buFont typeface="Courier New" panose="02070309020205020404" pitchFamily="49" charset="0"/>
-              <a:buChar char="o"/>
-            </a:pPr>
-            <a:r>
-              <a:rPr lang="en-US" sz="1100" dirty="0">
-                <a:latin typeface="Arial" panose="020B0604020202020204" pitchFamily="34" charset="0"/>
-                <a:cs typeface="Arial" panose="020B0604020202020204" pitchFamily="34" charset="0"/>
-              </a:rPr>
-              <a:t>GAD (n=29)</a:t>
-            </a:r>
-          </a:p>
-          <a:p>
-            <a:pPr marL="171450" indent="-171450" algn="ctr">
-              <a:buFont typeface="Courier New" panose="02070309020205020404" pitchFamily="49" charset="0"/>
-              <a:buChar char="o"/>
-            </a:pPr>
-            <a:r>
-              <a:rPr lang="en-US" sz="1100" dirty="0">
-                <a:latin typeface="Arial" panose="020B0604020202020204" pitchFamily="34" charset="0"/>
-                <a:cs typeface="Arial" panose="020B0604020202020204" pitchFamily="34" charset="0"/>
-              </a:rPr>
-              <a:t>HC (n= 29)</a:t>
-            </a:r>
-          </a:p>
-        </p:txBody>
-      </p:sp>
-      <p:sp>
-        <p:nvSpPr>
-          <p:cNvPr id="10" name="TextBox 9">
-            <a:extLst>
-              <a:ext uri="{FF2B5EF4-FFF2-40B4-BE49-F238E27FC236}">
-                <a16:creationId xmlns:a16="http://schemas.microsoft.com/office/drawing/2014/main" id="{29950F0B-D5B7-435C-9238-E7807897636E}"/>
-              </a:ext>
-            </a:extLst>
-          </p:cNvPr>
-          <p:cNvSpPr txBox="1"/>
-          <p:nvPr/>
-        </p:nvSpPr>
-        <p:spPr>
-          <a:xfrm>
-            <a:off x="3799845" y="288941"/>
-            <a:ext cx="3255406" cy="307777"/>
-          </a:xfrm>
-          <a:prstGeom prst="rect">
-            <a:avLst/>
-          </a:prstGeom>
-          <a:ln/>
-        </p:spPr>
-        <p:style>
-          <a:lnRef idx="1">
-            <a:schemeClr val="accent1"/>
-          </a:lnRef>
-          <a:fillRef idx="2">
-            <a:schemeClr val="accent1"/>
-          </a:fillRef>
-          <a:effectRef idx="1">
-            <a:schemeClr val="accent1"/>
-          </a:effectRef>
-          <a:fontRef idx="minor">
-            <a:schemeClr val="dk1"/>
-          </a:fontRef>
-        </p:style>
-        <p:txBody>
-          <a:bodyPr wrap="square" rtlCol="0">
-            <a:spAutoFit/>
-          </a:bodyPr>
-          <a:lstStyle/>
-          <a:p>
-            <a:pPr algn="ctr"/>
-            <a:r>
-              <a:rPr lang="en-US" sz="1400" b="1" dirty="0">
-                <a:latin typeface="Arial" panose="020B0604020202020204" pitchFamily="34" charset="0"/>
-                <a:cs typeface="Arial" panose="020B0604020202020204" pitchFamily="34" charset="0"/>
-              </a:rPr>
-              <a:t>Assessed for Eligibility (n=136)</a:t>
-            </a:r>
-          </a:p>
-        </p:txBody>
-      </p:sp>
-      <p:sp>
-        <p:nvSpPr>
-          <p:cNvPr id="11" name="TextBox 10">
-            <a:extLst>
-              <a:ext uri="{FF2B5EF4-FFF2-40B4-BE49-F238E27FC236}">
-                <a16:creationId xmlns:a16="http://schemas.microsoft.com/office/drawing/2014/main" id="{BD65C816-18B5-48FC-99F5-4280B89CBD55}"/>
-              </a:ext>
-            </a:extLst>
-          </p:cNvPr>
-          <p:cNvSpPr txBox="1"/>
-          <p:nvPr/>
-        </p:nvSpPr>
-        <p:spPr>
-          <a:xfrm>
-            <a:off x="4507992" y="4958335"/>
-            <a:ext cx="1554480" cy="307777"/>
-          </a:xfrm>
-          <a:prstGeom prst="rect">
-            <a:avLst/>
-          </a:prstGeom>
-        </p:spPr>
-        <p:style>
-          <a:lnRef idx="1">
-            <a:schemeClr val="accent1"/>
-          </a:lnRef>
-          <a:fillRef idx="2">
-            <a:schemeClr val="accent1"/>
-          </a:fillRef>
-          <a:effectRef idx="1">
-            <a:schemeClr val="accent1"/>
-          </a:effectRef>
-          <a:fontRef idx="minor">
-            <a:schemeClr val="dk1"/>
-          </a:fontRef>
-        </p:style>
-        <p:txBody>
-          <a:bodyPr wrap="square" rtlCol="0">
-            <a:noAutofit/>
-          </a:bodyPr>
-          <a:lstStyle/>
-          <a:p>
-            <a:pPr algn="ctr"/>
-            <a:r>
-              <a:rPr lang="en-US" sz="1400" b="1" dirty="0">
-                <a:latin typeface="Arial" panose="020B0604020202020204" pitchFamily="34" charset="0"/>
-                <a:cs typeface="Arial" panose="020B0604020202020204" pitchFamily="34" charset="0"/>
-              </a:rPr>
-              <a:t>Analyzed (n=58) </a:t>
-            </a:r>
-          </a:p>
-        </p:txBody>
-      </p:sp>
-      <p:cxnSp>
-        <p:nvCxnSpPr>
-          <p:cNvPr id="12" name="Straight Arrow Connector 11">
-            <a:extLst>
-              <a:ext uri="{FF2B5EF4-FFF2-40B4-BE49-F238E27FC236}">
-                <a16:creationId xmlns:a16="http://schemas.microsoft.com/office/drawing/2014/main" id="{BFD1255C-2B1C-4BCB-B4EF-1467463F9DA8}"/>
-              </a:ext>
-            </a:extLst>
-          </p:cNvPr>
-          <p:cNvCxnSpPr>
-            <a:cxnSpLocks/>
-          </p:cNvCxnSpPr>
-          <p:nvPr/>
-        </p:nvCxnSpPr>
-        <p:spPr>
-          <a:xfrm flipH="1">
-            <a:off x="5283737" y="623509"/>
-            <a:ext cx="502" cy="1039439"/>
-          </a:xfrm>
-          <a:prstGeom prst="straightConnector1">
-            <a:avLst/>
-          </a:prstGeom>
-          <a:ln>
-            <a:solidFill>
-              <a:schemeClr val="tx1"/>
-            </a:solidFill>
-            <a:tailEnd type="triangle"/>
-          </a:ln>
-        </p:spPr>
-        <p:style>
-          <a:lnRef idx="1">
-            <a:schemeClr val="accent1"/>
-          </a:lnRef>
-          <a:fillRef idx="0">
-            <a:schemeClr val="accent1"/>
-          </a:fillRef>
-          <a:effectRef idx="0">
-            <a:schemeClr val="accent1"/>
-          </a:effectRef>
-          <a:fontRef idx="minor">
-            <a:schemeClr val="tx1"/>
-          </a:fontRef>
-        </p:style>
-      </p:cxnSp>
-      <p:cxnSp>
-        <p:nvCxnSpPr>
-          <p:cNvPr id="14" name="Straight Arrow Connector 13">
-            <a:extLst>
-              <a:ext uri="{FF2B5EF4-FFF2-40B4-BE49-F238E27FC236}">
-                <a16:creationId xmlns:a16="http://schemas.microsoft.com/office/drawing/2014/main" id="{2AB824F0-76C4-4DB4-AFD5-C8428BF2EF0D}"/>
-              </a:ext>
-            </a:extLst>
-          </p:cNvPr>
-          <p:cNvCxnSpPr>
-            <a:cxnSpLocks/>
-            <a:endCxn id="3" idx="1"/>
-          </p:cNvCxnSpPr>
-          <p:nvPr/>
-        </p:nvCxnSpPr>
-        <p:spPr>
-          <a:xfrm>
-            <a:off x="5283987" y="1127521"/>
-            <a:ext cx="1231109" cy="0"/>
-          </a:xfrm>
-          <a:prstGeom prst="straightConnector1">
-            <a:avLst/>
-          </a:prstGeom>
-          <a:ln>
-            <a:solidFill>
-              <a:schemeClr val="tx1"/>
-            </a:solidFill>
-            <a:tailEnd type="triangle"/>
-          </a:ln>
-        </p:spPr>
-        <p:style>
-          <a:lnRef idx="1">
-            <a:schemeClr val="accent1"/>
-          </a:lnRef>
-          <a:fillRef idx="0">
-            <a:schemeClr val="accent1"/>
-          </a:fillRef>
-          <a:effectRef idx="0">
-            <a:schemeClr val="accent1"/>
-          </a:effectRef>
-          <a:fontRef idx="minor">
-            <a:schemeClr val="tx1"/>
-          </a:fontRef>
-        </p:style>
-      </p:cxnSp>
-      <p:cxnSp>
-        <p:nvCxnSpPr>
-          <p:cNvPr id="15" name="Straight Arrow Connector 14">
-            <a:extLst>
-              <a:ext uri="{FF2B5EF4-FFF2-40B4-BE49-F238E27FC236}">
-                <a16:creationId xmlns:a16="http://schemas.microsoft.com/office/drawing/2014/main" id="{23BB18BE-465E-4A74-A871-42D97D72653F}"/>
-              </a:ext>
-            </a:extLst>
-          </p:cNvPr>
-          <p:cNvCxnSpPr>
-            <a:cxnSpLocks/>
-            <a:endCxn id="4" idx="1"/>
-          </p:cNvCxnSpPr>
-          <p:nvPr/>
-        </p:nvCxnSpPr>
-        <p:spPr>
-          <a:xfrm>
-            <a:off x="5292671" y="2446200"/>
-            <a:ext cx="1222426" cy="1"/>
-          </a:xfrm>
-          <a:prstGeom prst="straightConnector1">
-            <a:avLst/>
-          </a:prstGeom>
-          <a:ln>
-            <a:solidFill>
-              <a:schemeClr val="tx1"/>
-            </a:solidFill>
-            <a:tailEnd type="triangle"/>
-          </a:ln>
-        </p:spPr>
-        <p:style>
-          <a:lnRef idx="1">
-            <a:schemeClr val="accent1"/>
-          </a:lnRef>
-          <a:fillRef idx="0">
-            <a:schemeClr val="accent1"/>
-          </a:fillRef>
-          <a:effectRef idx="0">
-            <a:schemeClr val="accent1"/>
-          </a:effectRef>
-          <a:fontRef idx="minor">
-            <a:schemeClr val="tx1"/>
-          </a:fontRef>
-        </p:style>
-      </p:cxnSp>
-      <p:cxnSp>
-        <p:nvCxnSpPr>
-          <p:cNvPr id="16" name="Straight Arrow Connector 15">
-            <a:extLst>
-              <a:ext uri="{FF2B5EF4-FFF2-40B4-BE49-F238E27FC236}">
-                <a16:creationId xmlns:a16="http://schemas.microsoft.com/office/drawing/2014/main" id="{5682CAC3-CE63-4D44-A733-A6277529DBDF}"/>
-              </a:ext>
-            </a:extLst>
-          </p:cNvPr>
-          <p:cNvCxnSpPr>
-            <a:cxnSpLocks/>
-            <a:stCxn id="5" idx="2"/>
-          </p:cNvCxnSpPr>
-          <p:nvPr/>
-        </p:nvCxnSpPr>
-        <p:spPr>
-          <a:xfrm flipH="1">
-            <a:off x="5283235" y="3235615"/>
-            <a:ext cx="8752" cy="747969"/>
-          </a:xfrm>
-          <a:prstGeom prst="straightConnector1">
-            <a:avLst/>
-          </a:prstGeom>
-          <a:ln>
-            <a:solidFill>
-              <a:schemeClr val="tx1"/>
-            </a:solidFill>
-            <a:tailEnd type="triangle"/>
-          </a:ln>
-        </p:spPr>
-        <p:style>
-          <a:lnRef idx="1">
-            <a:schemeClr val="accent1"/>
-          </a:lnRef>
-          <a:fillRef idx="0">
-            <a:schemeClr val="accent1"/>
-          </a:fillRef>
-          <a:effectRef idx="0">
-            <a:schemeClr val="accent1"/>
-          </a:effectRef>
-          <a:fontRef idx="minor">
-            <a:schemeClr val="tx1"/>
-          </a:fontRef>
-        </p:style>
-      </p:cxnSp>
-      <p:cxnSp>
-        <p:nvCxnSpPr>
-          <p:cNvPr id="17" name="Straight Arrow Connector 16">
-            <a:extLst>
-              <a:ext uri="{FF2B5EF4-FFF2-40B4-BE49-F238E27FC236}">
-                <a16:creationId xmlns:a16="http://schemas.microsoft.com/office/drawing/2014/main" id="{B58E95C7-BA7D-4847-A01B-19BA61F85FB8}"/>
-              </a:ext>
-            </a:extLst>
-          </p:cNvPr>
-          <p:cNvCxnSpPr>
-            <a:cxnSpLocks/>
-          </p:cNvCxnSpPr>
-          <p:nvPr/>
-        </p:nvCxnSpPr>
-        <p:spPr>
-          <a:xfrm flipV="1">
-            <a:off x="5292671" y="3588387"/>
-            <a:ext cx="1222428" cy="52"/>
-          </a:xfrm>
-          <a:prstGeom prst="straightConnector1">
-            <a:avLst/>
-          </a:prstGeom>
-          <a:ln>
-            <a:solidFill>
-              <a:schemeClr val="tx1"/>
-            </a:solidFill>
-            <a:tailEnd type="triangle"/>
-          </a:ln>
-        </p:spPr>
-        <p:style>
-          <a:lnRef idx="1">
-            <a:schemeClr val="accent1"/>
-          </a:lnRef>
-          <a:fillRef idx="0">
-            <a:schemeClr val="accent1"/>
-          </a:fillRef>
-          <a:effectRef idx="0">
-            <a:schemeClr val="accent1"/>
-          </a:effectRef>
-          <a:fontRef idx="minor">
-            <a:schemeClr val="tx1"/>
-          </a:fontRef>
-        </p:style>
-      </p:cxnSp>
-      <p:cxnSp>
-        <p:nvCxnSpPr>
-          <p:cNvPr id="18" name="Straight Arrow Connector 17">
-            <a:extLst>
-              <a:ext uri="{FF2B5EF4-FFF2-40B4-BE49-F238E27FC236}">
-                <a16:creationId xmlns:a16="http://schemas.microsoft.com/office/drawing/2014/main" id="{B9A32224-379D-4ED8-B44C-96F7D63B55F8}"/>
-              </a:ext>
-            </a:extLst>
-          </p:cNvPr>
-          <p:cNvCxnSpPr>
-            <a:cxnSpLocks/>
-            <a:stCxn id="7" idx="2"/>
-            <a:endCxn id="11" idx="0"/>
-          </p:cNvCxnSpPr>
-          <p:nvPr/>
-        </p:nvCxnSpPr>
-        <p:spPr>
-          <a:xfrm flipH="1">
-            <a:off x="5285232" y="4262463"/>
-            <a:ext cx="4546" cy="695872"/>
-          </a:xfrm>
-          <a:prstGeom prst="straightConnector1">
-            <a:avLst/>
-          </a:prstGeom>
-          <a:ln>
-            <a:solidFill>
-              <a:schemeClr val="tx1"/>
-            </a:solidFill>
-            <a:tailEnd type="triangle"/>
-          </a:ln>
-        </p:spPr>
-        <p:style>
-          <a:lnRef idx="1">
-            <a:schemeClr val="accent1"/>
-          </a:lnRef>
-          <a:fillRef idx="0">
-            <a:schemeClr val="accent1"/>
-          </a:fillRef>
-          <a:effectRef idx="0">
-            <a:schemeClr val="accent1"/>
-          </a:effectRef>
-          <a:fontRef idx="minor">
-            <a:schemeClr val="tx1"/>
-          </a:fontRef>
-        </p:style>
-      </p:cxnSp>
-      <p:cxnSp>
-        <p:nvCxnSpPr>
-          <p:cNvPr id="19" name="Straight Arrow Connector 18">
-            <a:extLst>
-              <a:ext uri="{FF2B5EF4-FFF2-40B4-BE49-F238E27FC236}">
-                <a16:creationId xmlns:a16="http://schemas.microsoft.com/office/drawing/2014/main" id="{7D6F956F-4893-4CEE-B47E-B169BD0CB69D}"/>
-              </a:ext>
-            </a:extLst>
-          </p:cNvPr>
-          <p:cNvCxnSpPr>
-            <a:cxnSpLocks/>
-          </p:cNvCxnSpPr>
-          <p:nvPr/>
-        </p:nvCxnSpPr>
-        <p:spPr>
-          <a:xfrm>
-            <a:off x="5283987" y="4598521"/>
-            <a:ext cx="1231110" cy="0"/>
-          </a:xfrm>
-          <a:prstGeom prst="straightConnector1">
-            <a:avLst/>
-          </a:prstGeom>
-          <a:ln>
-            <a:solidFill>
-              <a:schemeClr val="tx1"/>
-            </a:solidFill>
-            <a:tailEnd type="triangle"/>
-          </a:ln>
-        </p:spPr>
-        <p:style>
-          <a:lnRef idx="1">
-            <a:schemeClr val="accent1"/>
-          </a:lnRef>
-          <a:fillRef idx="0">
-            <a:schemeClr val="accent1"/>
-          </a:fillRef>
-          <a:effectRef idx="0">
-            <a:schemeClr val="accent1"/>
-          </a:effectRef>
-          <a:fontRef idx="minor">
-            <a:schemeClr val="tx1"/>
-          </a:fontRef>
-        </p:style>
-      </p:cxnSp>
-      <p:cxnSp>
-        <p:nvCxnSpPr>
-          <p:cNvPr id="27" name="Straight Arrow Connector 26">
-            <a:extLst>
-              <a:ext uri="{FF2B5EF4-FFF2-40B4-BE49-F238E27FC236}">
-                <a16:creationId xmlns:a16="http://schemas.microsoft.com/office/drawing/2014/main" id="{76353062-3BE6-4C47-8CE0-53B5D0311974}"/>
-              </a:ext>
-            </a:extLst>
-          </p:cNvPr>
-          <p:cNvCxnSpPr>
-            <a:cxnSpLocks/>
-          </p:cNvCxnSpPr>
-          <p:nvPr/>
-        </p:nvCxnSpPr>
-        <p:spPr>
-          <a:xfrm>
-            <a:off x="5281051" y="5283108"/>
-            <a:ext cx="2184" cy="680110"/>
-          </a:xfrm>
-          <a:prstGeom prst="straightConnector1">
-            <a:avLst/>
-          </a:prstGeom>
-          <a:ln>
-            <a:solidFill>
-              <a:schemeClr val="tx1"/>
-            </a:solidFill>
-            <a:tailEnd type="triangle"/>
-          </a:ln>
-        </p:spPr>
-        <p:style>
-          <a:lnRef idx="1">
-            <a:schemeClr val="accent1"/>
-          </a:lnRef>
-          <a:fillRef idx="0">
-            <a:schemeClr val="accent1"/>
-          </a:fillRef>
-          <a:effectRef idx="0">
-            <a:schemeClr val="accent1"/>
-          </a:effectRef>
-          <a:fontRef idx="minor">
-            <a:schemeClr val="tx1"/>
-          </a:fontRef>
-        </p:style>
-      </p:cxnSp>
-      <p:cxnSp>
-        <p:nvCxnSpPr>
-          <p:cNvPr id="36" name="Straight Arrow Connector 35">
-            <a:extLst>
-              <a:ext uri="{FF2B5EF4-FFF2-40B4-BE49-F238E27FC236}">
-                <a16:creationId xmlns:a16="http://schemas.microsoft.com/office/drawing/2014/main" id="{53782B37-67CC-4E4B-B011-F4BECE072C1E}"/>
-              </a:ext>
-            </a:extLst>
-          </p:cNvPr>
-          <p:cNvCxnSpPr>
-            <a:cxnSpLocks/>
-          </p:cNvCxnSpPr>
-          <p:nvPr/>
-        </p:nvCxnSpPr>
-        <p:spPr>
-          <a:xfrm flipH="1">
-            <a:off x="5283236" y="1991804"/>
-            <a:ext cx="501" cy="931770"/>
-          </a:xfrm>
-          <a:prstGeom prst="straightConnector1">
-            <a:avLst/>
-          </a:prstGeom>
-          <a:ln>
-            <a:solidFill>
-              <a:schemeClr val="tx1"/>
-            </a:solidFill>
-            <a:tailEnd type="triangle"/>
-          </a:ln>
-        </p:spPr>
-        <p:style>
-          <a:lnRef idx="1">
-            <a:schemeClr val="accent1"/>
-          </a:lnRef>
-          <a:fillRef idx="0">
-            <a:schemeClr val="accent1"/>
-          </a:fillRef>
-          <a:effectRef idx="0">
-            <a:schemeClr val="accent1"/>
-          </a:effectRef>
-          <a:fontRef idx="minor">
-            <a:schemeClr val="tx1"/>
-          </a:fontRef>
-        </p:style>
-      </p:cxnSp>
-      <p:sp>
-        <p:nvSpPr>
-          <p:cNvPr id="39" name="TextBox 38">
-            <a:extLst>
-              <a:ext uri="{FF2B5EF4-FFF2-40B4-BE49-F238E27FC236}">
-                <a16:creationId xmlns:a16="http://schemas.microsoft.com/office/drawing/2014/main" id="{154DFFCA-7D1A-4FE1-90AE-0730425CBEE1}"/>
-              </a:ext>
-            </a:extLst>
-          </p:cNvPr>
-          <p:cNvSpPr txBox="1"/>
-          <p:nvPr/>
-        </p:nvSpPr>
-        <p:spPr>
-          <a:xfrm>
-            <a:off x="6515096" y="4147236"/>
-            <a:ext cx="2867625" cy="938719"/>
-          </a:xfrm>
-          <a:prstGeom prst="rect">
-            <a:avLst/>
-          </a:prstGeom>
-          <a:noFill/>
-          <a:ln>
-            <a:solidFill>
-              <a:schemeClr val="tx1"/>
-            </a:solidFill>
-          </a:ln>
-        </p:spPr>
-        <p:txBody>
-          <a:bodyPr wrap="square" rtlCol="0">
-            <a:spAutoFit/>
-          </a:bodyPr>
-          <a:lstStyle/>
-          <a:p>
-            <a:r>
-              <a:rPr lang="en-US" sz="1100" dirty="0">
-                <a:latin typeface="Arial" panose="020B0604020202020204" pitchFamily="34" charset="0"/>
-                <a:cs typeface="Arial" panose="020B0604020202020204" pitchFamily="34" charset="0"/>
-              </a:rPr>
-              <a:t>Excluded for data quality (n=5)</a:t>
-            </a:r>
-          </a:p>
-          <a:p>
-            <a:pPr marL="171450" indent="-171450">
-              <a:buFont typeface="Courier New" panose="02070309020205020404" pitchFamily="49" charset="0"/>
-              <a:buChar char="o"/>
-            </a:pPr>
-            <a:r>
-              <a:rPr lang="en-US" sz="1100" dirty="0">
-                <a:latin typeface="Arial" panose="020B0604020202020204" pitchFamily="34" charset="0"/>
-                <a:cs typeface="Arial" panose="020B0604020202020204" pitchFamily="34" charset="0"/>
-              </a:rPr>
-              <a:t>Excessive motion during scan (n=5)</a:t>
-            </a:r>
-          </a:p>
-          <a:p>
-            <a:r>
-              <a:rPr lang="en-US" sz="1100" dirty="0">
-                <a:latin typeface="Arial" panose="020B0604020202020204" pitchFamily="34" charset="0"/>
-                <a:cs typeface="Arial" panose="020B0604020202020204" pitchFamily="34" charset="0"/>
-              </a:rPr>
-              <a:t>Excluded during group matching (n=9)</a:t>
-            </a:r>
-          </a:p>
-          <a:p>
-            <a:pPr marL="171450" indent="-171450">
-              <a:buFont typeface="Courier New" panose="02070309020205020404" pitchFamily="49" charset="0"/>
-              <a:buChar char="o"/>
-            </a:pPr>
-            <a:r>
-              <a:rPr lang="en-US" sz="1100" dirty="0">
-                <a:latin typeface="Arial" panose="020B0604020202020204" pitchFamily="34" charset="0"/>
-                <a:cs typeface="Arial" panose="020B0604020202020204" pitchFamily="34" charset="0"/>
-              </a:rPr>
-              <a:t>GAD excluded to match BMI  (n=1)</a:t>
-            </a:r>
-          </a:p>
-          <a:p>
-            <a:pPr marL="171450" indent="-171450">
-              <a:buFont typeface="Courier New" panose="02070309020205020404" pitchFamily="49" charset="0"/>
-              <a:buChar char="o"/>
-            </a:pPr>
-            <a:r>
-              <a:rPr lang="en-US" sz="1100" dirty="0">
-                <a:latin typeface="Arial" panose="020B0604020202020204" pitchFamily="34" charset="0"/>
-                <a:cs typeface="Arial" panose="020B0604020202020204" pitchFamily="34" charset="0"/>
-              </a:rPr>
-              <a:t>HCs excluded to match age, BMI (n=8)</a:t>
-            </a:r>
-          </a:p>
-        </p:txBody>
-      </p:sp>
-      <p:sp>
-        <p:nvSpPr>
-          <p:cNvPr id="26" name="TextBox 25">
-            <a:extLst>
-              <a:ext uri="{FF2B5EF4-FFF2-40B4-BE49-F238E27FC236}">
-                <a16:creationId xmlns:a16="http://schemas.microsoft.com/office/drawing/2014/main" id="{56683862-7294-4D21-B373-F9EA2CF2ED41}"/>
-              </a:ext>
-            </a:extLst>
-          </p:cNvPr>
-          <p:cNvSpPr txBox="1"/>
-          <p:nvPr/>
-        </p:nvSpPr>
-        <p:spPr>
-          <a:xfrm>
-            <a:off x="4198394" y="1663726"/>
-            <a:ext cx="2169683" cy="307777"/>
-          </a:xfrm>
-          <a:prstGeom prst="rect">
-            <a:avLst/>
-          </a:prstGeom>
-          <a:ln/>
-        </p:spPr>
-        <p:style>
-          <a:lnRef idx="1">
-            <a:schemeClr val="accent1"/>
-          </a:lnRef>
-          <a:fillRef idx="2">
-            <a:schemeClr val="accent1"/>
-          </a:fillRef>
-          <a:effectRef idx="1">
-            <a:schemeClr val="accent1"/>
-          </a:effectRef>
-          <a:fontRef idx="minor">
-            <a:schemeClr val="dk1"/>
-          </a:fontRef>
-        </p:style>
-        <p:txBody>
-          <a:bodyPr wrap="square" rtlCol="0">
-            <a:spAutoFit/>
-          </a:bodyPr>
-          <a:lstStyle/>
-          <a:p>
-            <a:pPr algn="ctr"/>
-            <a:r>
-              <a:rPr lang="en-US" sz="1400" b="1" dirty="0">
-                <a:latin typeface="Arial" panose="020B0604020202020204" pitchFamily="34" charset="0"/>
-                <a:cs typeface="Arial" panose="020B0604020202020204" pitchFamily="34" charset="0"/>
-              </a:rPr>
-              <a:t>Consented (n=125)</a:t>
-            </a:r>
-          </a:p>
-        </p:txBody>
-      </p:sp>
-    </p:spTree>
-    <p:extLst>
-      <p:ext uri="{BB962C8B-B14F-4D97-AF65-F5344CB8AC3E}">
-        <p14:creationId xmlns:p14="http://schemas.microsoft.com/office/powerpoint/2010/main" val="334568944"/>
       </p:ext>
     </p:extLst>
   </p:cSld>
